--- a/PPT/08.자바스크립트 - 기타.pptx
+++ b/PPT/08.자바스크립트 - 기타.pptx
@@ -256,7 +256,7 @@
             <a:fld id="{C5EB0431-1611-1744-95F0-8172773087C5}" type="datetimeFigureOut">
               <a:rPr lang="en-US" altLang="ko-Kore-KR" smtClean="0"/>
               <a:pPr/>
-              <a:t>5/7/2025</a:t>
+              <a:t>5/7/25</a:t>
             </a:fld>
             <a:endParaRPr lang="ko-Kore-KR"/>
           </a:p>
@@ -672,7 +672,7 @@
           <a:p>
             <a:fld id="{5FD0AF26-B2D6-41C9-847A-12B3D1677265}" type="datetime1">
               <a:rPr kumimoji="1" lang="ko-KR" altLang="en-US" smtClean="0"/>
-              <a:t>2025-05-07</a:t>
+              <a:t>2025. 5. 7.</a:t>
             </a:fld>
             <a:endParaRPr kumimoji="1" lang="ko-KR" altLang="en-US"/>
           </a:p>
@@ -870,7 +870,7 @@
           <a:p>
             <a:fld id="{11A845FB-4EAB-4F93-BE87-891FAC391B0C}" type="datetime1">
               <a:rPr kumimoji="1" lang="ko-KR" altLang="en-US" smtClean="0"/>
-              <a:t>2025-05-07</a:t>
+              <a:t>2025. 5. 7.</a:t>
             </a:fld>
             <a:endParaRPr kumimoji="1" lang="ko-KR" altLang="en-US"/>
           </a:p>
@@ -1078,7 +1078,7 @@
           <a:p>
             <a:fld id="{6597FBCF-59BC-423C-A27E-A4E0342EEDF5}" type="datetime1">
               <a:rPr kumimoji="1" lang="ko-KR" altLang="en-US" smtClean="0"/>
-              <a:t>2025-05-07</a:t>
+              <a:t>2025. 5. 7.</a:t>
             </a:fld>
             <a:endParaRPr kumimoji="1" lang="ko-KR" altLang="en-US"/>
           </a:p>
@@ -1276,7 +1276,7 @@
           <a:p>
             <a:fld id="{59DE6E8A-4C0D-4CC6-BBD6-2F945A6B3540}" type="datetime1">
               <a:rPr kumimoji="1" lang="ko-KR" altLang="en-US" smtClean="0"/>
-              <a:t>2025-05-07</a:t>
+              <a:t>2025. 5. 7.</a:t>
             </a:fld>
             <a:endParaRPr kumimoji="1" lang="ko-KR" altLang="en-US"/>
           </a:p>
@@ -1551,7 +1551,7 @@
           <a:p>
             <a:fld id="{BEBFBD75-CCBA-4C22-86CA-859D220600AA}" type="datetime1">
               <a:rPr kumimoji="1" lang="ko-KR" altLang="en-US" smtClean="0"/>
-              <a:t>2025-05-07</a:t>
+              <a:t>2025. 5. 7.</a:t>
             </a:fld>
             <a:endParaRPr kumimoji="1" lang="ko-KR" altLang="en-US"/>
           </a:p>
@@ -1816,7 +1816,7 @@
           <a:p>
             <a:fld id="{DB031150-5CB0-41C0-9104-5695DD253F49}" type="datetime1">
               <a:rPr kumimoji="1" lang="ko-KR" altLang="en-US" smtClean="0"/>
-              <a:t>2025-05-07</a:t>
+              <a:t>2025. 5. 7.</a:t>
             </a:fld>
             <a:endParaRPr kumimoji="1" lang="ko-KR" altLang="en-US"/>
           </a:p>
@@ -2228,7 +2228,7 @@
           <a:p>
             <a:fld id="{0B78CFAD-1435-498E-ACFE-38131B135631}" type="datetime1">
               <a:rPr kumimoji="1" lang="ko-KR" altLang="en-US" smtClean="0"/>
-              <a:t>2025-05-07</a:t>
+              <a:t>2025. 5. 7.</a:t>
             </a:fld>
             <a:endParaRPr kumimoji="1" lang="ko-KR" altLang="en-US"/>
           </a:p>
@@ -2369,7 +2369,7 @@
           <a:p>
             <a:fld id="{BF2AA6DB-F13D-4C47-BC2B-E1D25CB476ED}" type="datetime1">
               <a:rPr kumimoji="1" lang="ko-KR" altLang="en-US" smtClean="0"/>
-              <a:t>2025-05-07</a:t>
+              <a:t>2025. 5. 7.</a:t>
             </a:fld>
             <a:endParaRPr kumimoji="1" lang="ko-KR" altLang="en-US"/>
           </a:p>
@@ -2482,7 +2482,7 @@
           <a:p>
             <a:fld id="{14FBB438-2880-4761-94BA-7F7996C8C3BD}" type="datetime1">
               <a:rPr kumimoji="1" lang="ko-KR" altLang="en-US" smtClean="0"/>
-              <a:t>2025-05-07</a:t>
+              <a:t>2025. 5. 7.</a:t>
             </a:fld>
             <a:endParaRPr kumimoji="1" lang="ko-KR" altLang="en-US"/>
           </a:p>
@@ -2793,7 +2793,7 @@
           <a:p>
             <a:fld id="{C4D9C33D-E09A-4F6E-A7FA-CF959C3E6DEE}" type="datetime1">
               <a:rPr kumimoji="1" lang="ko-KR" altLang="en-US" smtClean="0"/>
-              <a:t>2025-05-07</a:t>
+              <a:t>2025. 5. 7.</a:t>
             </a:fld>
             <a:endParaRPr kumimoji="1" lang="ko-KR" altLang="en-US"/>
           </a:p>
@@ -3081,7 +3081,7 @@
           <a:p>
             <a:fld id="{DB10E3DE-CCA8-4CB9-BDA2-4741B0CD6641}" type="datetime1">
               <a:rPr kumimoji="1" lang="ko-KR" altLang="en-US" smtClean="0"/>
-              <a:t>2025-05-07</a:t>
+              <a:t>2025. 5. 7.</a:t>
             </a:fld>
             <a:endParaRPr kumimoji="1" lang="ko-KR" altLang="en-US"/>
           </a:p>
@@ -3324,7 +3324,7 @@
           <a:p>
             <a:fld id="{827CA893-2A65-4E72-A022-7CB16F3818A4}" type="datetime1">
               <a:rPr kumimoji="1" lang="ko-KR" altLang="en-US" smtClean="0"/>
-              <a:t>2025-05-07</a:t>
+              <a:t>2025. 5. 7.</a:t>
             </a:fld>
             <a:endParaRPr kumimoji="1" lang="ko-KR" altLang="en-US"/>
           </a:p>
